--- a/ideas/2016/KarovLabait.pptx
+++ b/ideas/2016/KarovLabait.pptx
@@ -5,15 +5,16 @@
     <p:sldMasterId id="2147483648" r:id="rId1"/>
   </p:sldMasterIdLst>
   <p:notesMasterIdLst>
-    <p:notesMasterId r:id="rId5"/>
+    <p:notesMasterId r:id="rId6"/>
   </p:notesMasterIdLst>
   <p:handoutMasterIdLst>
-    <p:handoutMasterId r:id="rId6"/>
+    <p:handoutMasterId r:id="rId7"/>
   </p:handoutMasterIdLst>
   <p:sldIdLst>
     <p:sldId id="256" r:id="rId2"/>
     <p:sldId id="257" r:id="rId3"/>
     <p:sldId id="259" r:id="rId4"/>
+    <p:sldId id="260" r:id="rId5"/>
   </p:sldIdLst>
   <p:sldSz cx="12192000" cy="6858000"/>
   <p:notesSz cx="6858000" cy="9144000"/>
@@ -202,7 +203,7 @@
           <a:p>
             <a:fld id="{750F0338-4081-4753-9858-31C5ACED318A}" type="datetimeFigureOut">
               <a:rPr lang="he-IL" smtClean="0"/>
-              <a:t>כ"ו/אדר א/תשע"ו</a:t>
+              <a:t>כ"ז/אדר א/תשע"ו</a:t>
             </a:fld>
             <a:endParaRPr lang="he-IL"/>
           </a:p>
@@ -368,7 +369,7 @@
           <a:p>
             <a:fld id="{B0E68B80-A4E6-42A8-839E-002B85456BC3}" type="datetimeFigureOut">
               <a:rPr lang="he-IL" smtClean="0"/>
-              <a:t>כ"ו/אדר א/תשע"ו</a:t>
+              <a:t>כ"ז/אדר א/תשע"ו</a:t>
             </a:fld>
             <a:endParaRPr lang="he-IL"/>
           </a:p>
@@ -852,7 +853,7 @@
           <a:p>
             <a:fld id="{1B55F210-6C3A-42C4-B42D-BA3B25EEED99}" type="datetimeFigureOut">
               <a:rPr lang="he-IL" smtClean="0"/>
-              <a:t>כ"ו/אדר א/תשע"ו</a:t>
+              <a:t>כ"ז/אדר א/תשע"ו</a:t>
             </a:fld>
             <a:endParaRPr lang="he-IL"/>
           </a:p>
@@ -1022,7 +1023,7 @@
           <a:p>
             <a:fld id="{1B55F210-6C3A-42C4-B42D-BA3B25EEED99}" type="datetimeFigureOut">
               <a:rPr lang="he-IL" smtClean="0"/>
-              <a:t>כ"ו/אדר א/תשע"ו</a:t>
+              <a:t>כ"ז/אדר א/תשע"ו</a:t>
             </a:fld>
             <a:endParaRPr lang="he-IL"/>
           </a:p>
@@ -1202,7 +1203,7 @@
           <a:p>
             <a:fld id="{1B55F210-6C3A-42C4-B42D-BA3B25EEED99}" type="datetimeFigureOut">
               <a:rPr lang="he-IL" smtClean="0"/>
-              <a:t>כ"ו/אדר א/תשע"ו</a:t>
+              <a:t>כ"ז/אדר א/תשע"ו</a:t>
             </a:fld>
             <a:endParaRPr lang="he-IL"/>
           </a:p>
@@ -1372,7 +1373,7 @@
           <a:p>
             <a:fld id="{1B55F210-6C3A-42C4-B42D-BA3B25EEED99}" type="datetimeFigureOut">
               <a:rPr lang="he-IL" smtClean="0"/>
-              <a:t>כ"ו/אדר א/תשע"ו</a:t>
+              <a:t>כ"ז/אדר א/תשע"ו</a:t>
             </a:fld>
             <a:endParaRPr lang="he-IL"/>
           </a:p>
@@ -1618,7 +1619,7 @@
           <a:p>
             <a:fld id="{1B55F210-6C3A-42C4-B42D-BA3B25EEED99}" type="datetimeFigureOut">
               <a:rPr lang="he-IL" smtClean="0"/>
-              <a:t>כ"ו/אדר א/תשע"ו</a:t>
+              <a:t>כ"ז/אדר א/תשע"ו</a:t>
             </a:fld>
             <a:endParaRPr lang="he-IL"/>
           </a:p>
@@ -1850,7 +1851,7 @@
           <a:p>
             <a:fld id="{1B55F210-6C3A-42C4-B42D-BA3B25EEED99}" type="datetimeFigureOut">
               <a:rPr lang="he-IL" smtClean="0"/>
-              <a:t>כ"ו/אדר א/תשע"ו</a:t>
+              <a:t>כ"ז/אדר א/תשע"ו</a:t>
             </a:fld>
             <a:endParaRPr lang="he-IL"/>
           </a:p>
@@ -2217,7 +2218,7 @@
           <a:p>
             <a:fld id="{1B55F210-6C3A-42C4-B42D-BA3B25EEED99}" type="datetimeFigureOut">
               <a:rPr lang="he-IL" smtClean="0"/>
-              <a:t>כ"ו/אדר א/תשע"ו</a:t>
+              <a:t>כ"ז/אדר א/תשע"ו</a:t>
             </a:fld>
             <a:endParaRPr lang="he-IL"/>
           </a:p>
@@ -2335,7 +2336,7 @@
           <a:p>
             <a:fld id="{1B55F210-6C3A-42C4-B42D-BA3B25EEED99}" type="datetimeFigureOut">
               <a:rPr lang="he-IL" smtClean="0"/>
-              <a:t>כ"ו/אדר א/תשע"ו</a:t>
+              <a:t>כ"ז/אדר א/תשע"ו</a:t>
             </a:fld>
             <a:endParaRPr lang="he-IL"/>
           </a:p>
@@ -2430,7 +2431,7 @@
           <a:p>
             <a:fld id="{1B55F210-6C3A-42C4-B42D-BA3B25EEED99}" type="datetimeFigureOut">
               <a:rPr lang="he-IL" smtClean="0"/>
-              <a:t>כ"ו/אדר א/תשע"ו</a:t>
+              <a:t>כ"ז/אדר א/תשע"ו</a:t>
             </a:fld>
             <a:endParaRPr lang="he-IL"/>
           </a:p>
@@ -2707,7 +2708,7 @@
           <a:p>
             <a:fld id="{1B55F210-6C3A-42C4-B42D-BA3B25EEED99}" type="datetimeFigureOut">
               <a:rPr lang="he-IL" smtClean="0"/>
-              <a:t>כ"ו/אדר א/תשע"ו</a:t>
+              <a:t>כ"ז/אדר א/תשע"ו</a:t>
             </a:fld>
             <a:endParaRPr lang="he-IL"/>
           </a:p>
@@ -2960,7 +2961,7 @@
           <a:p>
             <a:fld id="{1B55F210-6C3A-42C4-B42D-BA3B25EEED99}" type="datetimeFigureOut">
               <a:rPr lang="he-IL" smtClean="0"/>
-              <a:t>כ"ו/אדר א/תשע"ו</a:t>
+              <a:t>כ"ז/אדר א/תשע"ו</a:t>
             </a:fld>
             <a:endParaRPr lang="he-IL"/>
           </a:p>
@@ -3173,7 +3174,7 @@
           <a:p>
             <a:fld id="{1B55F210-6C3A-42C4-B42D-BA3B25EEED99}" type="datetimeFigureOut">
               <a:rPr lang="he-IL" smtClean="0"/>
-              <a:t>כ"ו/אדר א/תשע"ו</a:t>
+              <a:t>כ"ז/אדר א/תשע"ו</a:t>
             </a:fld>
             <a:endParaRPr lang="he-IL"/>
           </a:p>
@@ -3720,20 +3721,7 @@
                   </a:outerShdw>
                 </a:effectLst>
               </a:rPr>
-              <a:t>מוריה </a:t>
-            </a:r>
-            <a:r>
-              <a:rPr lang="he-IL" sz="3200" dirty="0" smtClean="0">
-                <a:ln w="0"/>
-                <a:effectLst>
-                  <a:outerShdw blurRad="38100" dist="19050" dir="2700000" algn="tl" rotWithShape="0">
-                    <a:schemeClr val="dk1">
-                      <a:alpha val="40000"/>
-                    </a:schemeClr>
-                  </a:outerShdw>
-                </a:effectLst>
-              </a:rPr>
-              <a:t>רביוף</a:t>
+              <a:t>מוריה רביוף</a:t>
             </a:r>
           </a:p>
           <a:p>
@@ -4075,11 +4063,7 @@
             </a:r>
             <a:r>
               <a:rPr lang="he-IL" dirty="0" smtClean="0"/>
-              <a:t>קיבלו לפני ואחרי הטיפול, הבעת דעה על המקום </a:t>
-            </a:r>
-            <a:r>
-              <a:rPr lang="he-IL" dirty="0" smtClean="0"/>
-              <a:t>עצמו</a:t>
+              <a:t>קיבלו לפני ואחרי הטיפול, הבעת דעה על המקום עצמו</a:t>
             </a:r>
             <a:r>
               <a:rPr lang="he-IL" dirty="0"/>
@@ -4158,6 +4142,60 @@
     <p:extLst>
       <p:ext uri="{BB962C8B-B14F-4D97-AF65-F5344CB8AC3E}">
         <p14:creationId xmlns:p14="http://schemas.microsoft.com/office/powerpoint/2010/main" val="2444597811"/>
+      </p:ext>
+    </p:extLst>
+  </p:cSld>
+  <p:clrMapOvr>
+    <a:masterClrMapping/>
+  </p:clrMapOvr>
+</p:sld>
+</file>
+
+<file path=ppt/slides/slide4.xml><?xml version="1.0" encoding="utf-8"?>
+<p:sld xmlns:a="http://schemas.openxmlformats.org/drawingml/2006/main" xmlns:r="http://schemas.openxmlformats.org/officeDocument/2006/relationships" xmlns:p="http://schemas.openxmlformats.org/presentationml/2006/main">
+  <p:cSld>
+    <p:spTree>
+      <p:nvGrpSpPr>
+        <p:cNvPr id="1" name=""/>
+        <p:cNvGrpSpPr/>
+        <p:nvPr/>
+      </p:nvGrpSpPr>
+      <p:grpSpPr>
+        <a:xfrm>
+          <a:off x="0" y="0"/>
+          <a:ext cx="0" cy="0"/>
+          <a:chOff x="0" y="0"/>
+          <a:chExt cx="0" cy="0"/>
+        </a:xfrm>
+      </p:grpSpPr>
+      <p:pic>
+        <p:nvPicPr>
+          <p:cNvPr id="3" name="תמונה 2"/>
+          <p:cNvPicPr>
+            <a:picLocks noChangeAspect="1"/>
+          </p:cNvPicPr>
+          <p:nvPr/>
+        </p:nvPicPr>
+        <p:blipFill>
+          <a:blip r:embed="rId2"/>
+          <a:stretch>
+            <a:fillRect/>
+          </a:stretch>
+        </p:blipFill>
+        <p:spPr>
+          <a:xfrm>
+            <a:off x="1629055" y="227199"/>
+            <a:ext cx="9382125" cy="7210425"/>
+          </a:xfrm>
+          <a:prstGeom prst="rect">
+            <a:avLst/>
+          </a:prstGeom>
+        </p:spPr>
+      </p:pic>
+    </p:spTree>
+    <p:extLst>
+      <p:ext uri="{BB962C8B-B14F-4D97-AF65-F5344CB8AC3E}">
+        <p14:creationId xmlns:p14="http://schemas.microsoft.com/office/powerpoint/2010/main" val="933597731"/>
       </p:ext>
     </p:extLst>
   </p:cSld>
